--- a/docs/E-PostMan.pptx
+++ b/docs/E-PostMan.pptx
@@ -8,26 +8,28 @@
     <p:sldId id="256" r:id="rId2"/>
     <p:sldId id="266" r:id="rId3"/>
     <p:sldId id="257" r:id="rId4"/>
-    <p:sldId id="258" r:id="rId5"/>
-    <p:sldId id="259" r:id="rId6"/>
-    <p:sldId id="265" r:id="rId7"/>
-    <p:sldId id="261" r:id="rId8"/>
-    <p:sldId id="262" r:id="rId9"/>
-    <p:sldId id="263" r:id="rId10"/>
-    <p:sldId id="279" r:id="rId11"/>
-    <p:sldId id="260" r:id="rId12"/>
-    <p:sldId id="268" r:id="rId13"/>
-    <p:sldId id="269" r:id="rId14"/>
-    <p:sldId id="270" r:id="rId15"/>
-    <p:sldId id="271" r:id="rId16"/>
-    <p:sldId id="272" r:id="rId17"/>
-    <p:sldId id="273" r:id="rId18"/>
-    <p:sldId id="274" r:id="rId19"/>
-    <p:sldId id="275" r:id="rId20"/>
-    <p:sldId id="276" r:id="rId21"/>
-    <p:sldId id="277" r:id="rId22"/>
-    <p:sldId id="278" r:id="rId23"/>
-    <p:sldId id="267" r:id="rId24"/>
+    <p:sldId id="265" r:id="rId5"/>
+    <p:sldId id="258" r:id="rId6"/>
+    <p:sldId id="259" r:id="rId7"/>
+    <p:sldId id="281" r:id="rId8"/>
+    <p:sldId id="280" r:id="rId9"/>
+    <p:sldId id="261" r:id="rId10"/>
+    <p:sldId id="262" r:id="rId11"/>
+    <p:sldId id="263" r:id="rId12"/>
+    <p:sldId id="279" r:id="rId13"/>
+    <p:sldId id="260" r:id="rId14"/>
+    <p:sldId id="268" r:id="rId15"/>
+    <p:sldId id="269" r:id="rId16"/>
+    <p:sldId id="270" r:id="rId17"/>
+    <p:sldId id="271" r:id="rId18"/>
+    <p:sldId id="272" r:id="rId19"/>
+    <p:sldId id="273" r:id="rId20"/>
+    <p:sldId id="274" r:id="rId21"/>
+    <p:sldId id="275" r:id="rId22"/>
+    <p:sldId id="276" r:id="rId23"/>
+    <p:sldId id="277" r:id="rId24"/>
+    <p:sldId id="278" r:id="rId25"/>
+    <p:sldId id="267" r:id="rId26"/>
   </p:sldIdLst>
   <p:sldSz cx="9144000" cy="6858000" type="screen4x3"/>
   <p:notesSz cx="6858000" cy="9144000"/>
@@ -410,7 +412,7 @@
             <a:fld id="{BF38E1B8-D946-4858-B5CB-097F5F712281}" type="datetimeFigureOut">
               <a:rPr lang="en-US" smtClean="0"/>
               <a:pPr/>
-              <a:t>12/18/2014</a:t>
+              <a:t>12/19/2014</a:t>
             </a:fld>
             <a:endParaRPr lang="en-US"/>
           </a:p>
@@ -805,7 +807,7 @@
             <a:fld id="{BF38E1B8-D946-4858-B5CB-097F5F712281}" type="datetimeFigureOut">
               <a:rPr lang="en-US" smtClean="0"/>
               <a:pPr/>
-              <a:t>12/18/2014</a:t>
+              <a:t>12/19/2014</a:t>
             </a:fld>
             <a:endParaRPr lang="en-US"/>
           </a:p>
@@ -1340,7 +1342,7 @@
             <a:fld id="{BF38E1B8-D946-4858-B5CB-097F5F712281}" type="datetimeFigureOut">
               <a:rPr lang="en-US" smtClean="0"/>
               <a:pPr/>
-              <a:t>12/18/2014</a:t>
+              <a:t>12/19/2014</a:t>
             </a:fld>
             <a:endParaRPr lang="en-US"/>
           </a:p>
@@ -1474,7 +1476,7 @@
             <a:fld id="{BF38E1B8-D946-4858-B5CB-097F5F712281}" type="datetimeFigureOut">
               <a:rPr lang="en-US" smtClean="0"/>
               <a:pPr/>
-              <a:t>12/18/2014</a:t>
+              <a:t>12/19/2014</a:t>
             </a:fld>
             <a:endParaRPr lang="en-US"/>
           </a:p>
@@ -2019,7 +2021,7 @@
             <a:fld id="{BF38E1B8-D946-4858-B5CB-097F5F712281}" type="datetimeFigureOut">
               <a:rPr lang="en-US" smtClean="0"/>
               <a:pPr/>
-              <a:t>12/18/2014</a:t>
+              <a:t>12/19/2014</a:t>
             </a:fld>
             <a:endParaRPr lang="en-US"/>
           </a:p>
@@ -2316,7 +2318,7 @@
             <a:fld id="{BF38E1B8-D946-4858-B5CB-097F5F712281}" type="datetimeFigureOut">
               <a:rPr lang="en-US" smtClean="0"/>
               <a:pPr/>
-              <a:t>12/18/2014</a:t>
+              <a:t>12/19/2014</a:t>
             </a:fld>
             <a:endParaRPr lang="en-US"/>
           </a:p>
@@ -2977,7 +2979,7 @@
             <a:fld id="{BF38E1B8-D946-4858-B5CB-097F5F712281}" type="datetimeFigureOut">
               <a:rPr lang="en-US" smtClean="0"/>
               <a:pPr/>
-              <a:t>12/18/2014</a:t>
+              <a:t>12/19/2014</a:t>
             </a:fld>
             <a:endParaRPr lang="en-US"/>
           </a:p>
@@ -3415,7 +3417,7 @@
             <a:fld id="{BF38E1B8-D946-4858-B5CB-097F5F712281}" type="datetimeFigureOut">
               <a:rPr lang="en-US" smtClean="0"/>
               <a:pPr/>
-              <a:t>12/18/2014</a:t>
+              <a:t>12/19/2014</a:t>
             </a:fld>
             <a:endParaRPr lang="en-US"/>
           </a:p>
@@ -3730,7 +3732,7 @@
             <a:fld id="{BF38E1B8-D946-4858-B5CB-097F5F712281}" type="datetimeFigureOut">
               <a:rPr lang="en-US" smtClean="0"/>
               <a:pPr/>
-              <a:t>12/18/2014</a:t>
+              <a:t>12/19/2014</a:t>
             </a:fld>
             <a:endParaRPr lang="en-US"/>
           </a:p>
@@ -4465,7 +4467,7 @@
             <a:fld id="{BF38E1B8-D946-4858-B5CB-097F5F712281}" type="datetimeFigureOut">
               <a:rPr lang="en-US" smtClean="0"/>
               <a:pPr/>
-              <a:t>12/18/2014</a:t>
+              <a:t>12/19/2014</a:t>
             </a:fld>
             <a:endParaRPr lang="en-US"/>
           </a:p>
@@ -5131,7 +5133,7 @@
             <a:fld id="{BF38E1B8-D946-4858-B5CB-097F5F712281}" type="datetimeFigureOut">
               <a:rPr lang="en-US" smtClean="0"/>
               <a:pPr/>
-              <a:t>12/18/2014</a:t>
+              <a:t>12/19/2014</a:t>
             </a:fld>
             <a:endParaRPr lang="en-US"/>
           </a:p>
@@ -5405,7 +5407,7 @@
             <a:fld id="{BF38E1B8-D946-4858-B5CB-097F5F712281}" type="datetimeFigureOut">
               <a:rPr lang="en-US" smtClean="0"/>
               <a:pPr/>
-              <a:t>12/18/2014</a:t>
+              <a:t>12/19/2014</a:t>
             </a:fld>
             <a:endParaRPr lang="en-US"/>
           </a:p>
@@ -6239,7 +6241,7 @@
           <a:p>
             <a:r>
               <a:rPr lang="en-US" dirty="0" smtClean="0"/>
-              <a:t>Sequence Diagram</a:t>
+              <a:t>UML  Class Diagram</a:t>
             </a:r>
             <a:endParaRPr lang="en-US" dirty="0"/>
           </a:p>
@@ -6247,37 +6249,50 @@
       </p:sp>
       <p:pic>
         <p:nvPicPr>
-          <p:cNvPr id="1026" name="Picture 2" descr="C:\Users\Dell\Documents\Downloads\user-registration.png"/>
+          <p:cNvPr id="4" name="Content Placeholder 3"/>
           <p:cNvPicPr>
-            <a:picLocks noGrp="1" noChangeAspect="1" noChangeArrowheads="1"/>
+            <a:picLocks noGrp="1" noChangeAspect="1"/>
           </p:cNvPicPr>
           <p:nvPr>
             <p:ph sz="quarter" idx="1"/>
           </p:nvPr>
         </p:nvPicPr>
         <p:blipFill>
-          <a:blip r:embed="rId2"/>
-          <a:srcRect/>
+          <a:blip r:embed="rId2">
+            <a:extLst>
+              <a:ext uri="{28A0092B-C50C-407E-A947-70E740481C1C}">
+                <a14:useLocalDpi xmlns="" xmlns:a14="http://schemas.microsoft.com/office/drawing/2010/main" val="0"/>
+              </a:ext>
+            </a:extLst>
+          </a:blip>
           <a:stretch>
             <a:fillRect/>
           </a:stretch>
         </p:blipFill>
-        <p:spPr bwMode="auto">
-          <a:xfrm>
-            <a:off x="533400" y="1527174"/>
-            <a:ext cx="8071179" cy="5003946"/>
-          </a:xfrm>
-          <a:prstGeom prst="rect">
-            <a:avLst/>
-          </a:prstGeom>
-          <a:noFill/>
+        <p:spPr>
+          <a:xfrm>
+            <a:off x="1076633" y="2342711"/>
+            <a:ext cx="6954221" cy="3143689"/>
+          </a:xfrm>
         </p:spPr>
       </p:pic>
     </p:spTree>
+    <p:extLst>
+      <p:ext uri="{BB962C8B-B14F-4D97-AF65-F5344CB8AC3E}">
+        <p14:creationId xmlns="" xmlns:p14="http://schemas.microsoft.com/office/powerpoint/2010/main" val="3778082473"/>
+      </p:ext>
+    </p:extLst>
   </p:cSld>
   <p:clrMapOvr>
     <a:masterClrMapping/>
   </p:clrMapOvr>
+  <p:timing>
+    <p:tnLst>
+      <p:par>
+        <p:cTn id="1" dur="indefinite" restart="never" nodeType="tmRoot"/>
+      </p:par>
+    </p:tnLst>
+  </p:timing>
 </p:sld>
 </file>
 
@@ -6315,66 +6330,45 @@
           <a:p>
             <a:r>
               <a:rPr lang="en-US" dirty="0" smtClean="0"/>
-              <a:t>Future Enhancement</a:t>
+              <a:t>Sequence Diagram</a:t>
             </a:r>
             <a:endParaRPr lang="en-US" dirty="0"/>
           </a:p>
         </p:txBody>
       </p:sp>
-      <p:sp>
-        <p:nvSpPr>
-          <p:cNvPr id="3" name="Content Placeholder 2"/>
-          <p:cNvSpPr>
-            <a:spLocks noGrp="1"/>
-          </p:cNvSpPr>
+      <p:pic>
+        <p:nvPicPr>
+          <p:cNvPr id="4" name="Content Placeholder 3"/>
+          <p:cNvPicPr>
+            <a:picLocks noGrp="1" noChangeAspect="1"/>
+          </p:cNvPicPr>
           <p:nvPr>
             <p:ph sz="quarter" idx="1"/>
           </p:nvPr>
-        </p:nvSpPr>
-        <p:spPr/>
-        <p:txBody>
-          <a:bodyPr/>
-          <a:lstStyle/>
-          <a:p>
-            <a:r>
-              <a:rPr lang="en-US" dirty="0" smtClean="0"/>
-              <a:t>Bar code scanning</a:t>
-            </a:r>
-          </a:p>
-          <a:p>
-            <a:r>
-              <a:rPr lang="en-US" dirty="0" smtClean="0"/>
-              <a:t>Out going mail tracking</a:t>
-            </a:r>
-          </a:p>
-          <a:p>
-            <a:r>
-              <a:rPr lang="en-US" dirty="0" smtClean="0"/>
-              <a:t>Multiple admin role</a:t>
-            </a:r>
-          </a:p>
-          <a:p>
-            <a:r>
-              <a:rPr lang="en-US" dirty="0" smtClean="0"/>
-              <a:t>System Notification </a:t>
-            </a:r>
-          </a:p>
-          <a:p>
-            <a:r>
-              <a:rPr lang="en-US" smtClean="0"/>
-              <a:t>Mobile Application</a:t>
-            </a:r>
-            <a:endParaRPr lang="en-US" dirty="0" smtClean="0"/>
-          </a:p>
-          <a:p>
-            <a:endParaRPr lang="en-US" dirty="0"/>
-          </a:p>
-        </p:txBody>
-      </p:sp>
+        </p:nvPicPr>
+        <p:blipFill>
+          <a:blip r:embed="rId2">
+            <a:extLst>
+              <a:ext uri="{28A0092B-C50C-407E-A947-70E740481C1C}">
+                <a14:useLocalDpi xmlns="" xmlns:a14="http://schemas.microsoft.com/office/drawing/2010/main" val="0"/>
+              </a:ext>
+            </a:extLst>
+          </a:blip>
+          <a:stretch>
+            <a:fillRect/>
+          </a:stretch>
+        </p:blipFill>
+        <p:spPr>
+          <a:xfrm>
+            <a:off x="301625" y="1981200"/>
+            <a:ext cx="8504238" cy="3598944"/>
+          </a:xfrm>
+        </p:spPr>
+      </p:pic>
     </p:spTree>
     <p:extLst>
       <p:ext uri="{BB962C8B-B14F-4D97-AF65-F5344CB8AC3E}">
-        <p14:creationId xmlns="" xmlns:p14="http://schemas.microsoft.com/office/powerpoint/2010/main" val="607631629"/>
+        <p14:creationId xmlns="" xmlns:p14="http://schemas.microsoft.com/office/powerpoint/2010/main" val="2404510690"/>
       </p:ext>
     </p:extLst>
   </p:cSld>
@@ -6425,7 +6419,7 @@
           <a:p>
             <a:r>
               <a:rPr lang="en-US" dirty="0" smtClean="0"/>
-              <a:t>Login Page</a:t>
+              <a:t>Sequence Diagram</a:t>
             </a:r>
             <a:endParaRPr lang="en-US" dirty="0"/>
           </a:p>
@@ -6433,9 +6427,9 @@
       </p:sp>
       <p:pic>
         <p:nvPicPr>
-          <p:cNvPr id="4" name="Content Placeholder 3" descr="login.PNG"/>
+          <p:cNvPr id="1026" name="Picture 2" descr="C:\Users\Dell\Documents\Downloads\user-registration.png"/>
           <p:cNvPicPr>
-            <a:picLocks noGrp="1" noChangeAspect="1"/>
+            <a:picLocks noGrp="1" noChangeAspect="1" noChangeArrowheads="1"/>
           </p:cNvPicPr>
           <p:nvPr>
             <p:ph sz="quarter" idx="1"/>
@@ -6443,63 +6437,20 @@
         </p:nvPicPr>
         <p:blipFill>
           <a:blip r:embed="rId2"/>
+          <a:srcRect/>
           <a:stretch>
             <a:fillRect/>
           </a:stretch>
         </p:blipFill>
-        <p:spPr>
-          <a:xfrm>
-            <a:off x="152400" y="1447800"/>
-            <a:ext cx="3124200" cy="2677886"/>
-          </a:xfrm>
-        </p:spPr>
-      </p:pic>
-      <p:pic>
-        <p:nvPicPr>
-          <p:cNvPr id="5" name="Picture 4" descr="loginvalidate.PNG"/>
-          <p:cNvPicPr>
-            <a:picLocks noChangeAspect="1"/>
-          </p:cNvPicPr>
-          <p:nvPr/>
-        </p:nvPicPr>
-        <p:blipFill>
-          <a:blip r:embed="rId3"/>
-          <a:stretch>
-            <a:fillRect/>
-          </a:stretch>
-        </p:blipFill>
-        <p:spPr>
-          <a:xfrm>
-            <a:off x="5791200" y="1447800"/>
-            <a:ext cx="2971800" cy="2788719"/>
+        <p:spPr bwMode="auto">
+          <a:xfrm>
+            <a:off x="533400" y="1527174"/>
+            <a:ext cx="8071179" cy="5003946"/>
           </a:xfrm>
           <a:prstGeom prst="rect">
             <a:avLst/>
           </a:prstGeom>
-        </p:spPr>
-      </p:pic>
-      <p:pic>
-        <p:nvPicPr>
-          <p:cNvPr id="6" name="Picture 5" descr="loginwithInternali.PNG"/>
-          <p:cNvPicPr>
-            <a:picLocks noChangeAspect="1"/>
-          </p:cNvPicPr>
-          <p:nvPr/>
-        </p:nvPicPr>
-        <p:blipFill>
-          <a:blip r:embed="rId4"/>
-          <a:stretch>
-            <a:fillRect/>
-          </a:stretch>
-        </p:blipFill>
-        <p:spPr>
-          <a:xfrm>
-            <a:off x="2514600" y="3429001"/>
-            <a:ext cx="3486637" cy="3124200"/>
-          </a:xfrm>
-          <a:prstGeom prst="rect">
-            <a:avLst/>
-          </a:prstGeom>
+          <a:noFill/>
         </p:spPr>
       </p:pic>
     </p:spTree>
@@ -6551,60 +6502,68 @@
           <a:p>
             <a:r>
               <a:rPr lang="en-US" dirty="0" smtClean="0"/>
-              <a:t>Registration Page</a:t>
+              <a:t>Future Enhancement</a:t>
             </a:r>
             <a:endParaRPr lang="en-US" dirty="0"/>
           </a:p>
         </p:txBody>
       </p:sp>
-      <p:pic>
-        <p:nvPicPr>
-          <p:cNvPr id="4" name="Content Placeholder 3" descr="register.PNG"/>
-          <p:cNvPicPr>
-            <a:picLocks noGrp="1" noChangeAspect="1"/>
-          </p:cNvPicPr>
+      <p:sp>
+        <p:nvSpPr>
+          <p:cNvPr id="3" name="Content Placeholder 2"/>
+          <p:cNvSpPr>
+            <a:spLocks noGrp="1"/>
+          </p:cNvSpPr>
           <p:nvPr>
             <p:ph sz="quarter" idx="1"/>
           </p:nvPr>
-        </p:nvPicPr>
-        <p:blipFill>
-          <a:blip r:embed="rId2"/>
-          <a:stretch>
-            <a:fillRect/>
-          </a:stretch>
-        </p:blipFill>
-        <p:spPr>
-          <a:xfrm>
-            <a:off x="228600" y="1524000"/>
-            <a:ext cx="3886199" cy="4572000"/>
-          </a:xfrm>
-        </p:spPr>
-      </p:pic>
-      <p:pic>
-        <p:nvPicPr>
-          <p:cNvPr id="5" name="Picture 4" descr="register-validation.PNG"/>
-          <p:cNvPicPr>
-            <a:picLocks noChangeAspect="1"/>
-          </p:cNvPicPr>
-          <p:nvPr/>
-        </p:nvPicPr>
-        <p:blipFill>
-          <a:blip r:embed="rId3"/>
-          <a:stretch>
-            <a:fillRect/>
-          </a:stretch>
-        </p:blipFill>
-        <p:spPr>
-          <a:xfrm>
-            <a:off x="4495800" y="1499814"/>
-            <a:ext cx="4442642" cy="4672386"/>
-          </a:xfrm>
-          <a:prstGeom prst="rect">
-            <a:avLst/>
-          </a:prstGeom>
-        </p:spPr>
-      </p:pic>
+        </p:nvSpPr>
+        <p:spPr/>
+        <p:txBody>
+          <a:bodyPr/>
+          <a:lstStyle/>
+          <a:p>
+            <a:r>
+              <a:rPr lang="en-US" dirty="0" smtClean="0"/>
+              <a:t>Bar code scanning</a:t>
+            </a:r>
+          </a:p>
+          <a:p>
+            <a:r>
+              <a:rPr lang="en-US" dirty="0" smtClean="0"/>
+              <a:t>Out going mail tracking</a:t>
+            </a:r>
+          </a:p>
+          <a:p>
+            <a:r>
+              <a:rPr lang="en-US" dirty="0" smtClean="0"/>
+              <a:t>Multiple admin role</a:t>
+            </a:r>
+          </a:p>
+          <a:p>
+            <a:r>
+              <a:rPr lang="en-US" dirty="0" smtClean="0"/>
+              <a:t>System Notification </a:t>
+            </a:r>
+          </a:p>
+          <a:p>
+            <a:r>
+              <a:rPr lang="en-US" smtClean="0"/>
+              <a:t>Mobile Application</a:t>
+            </a:r>
+            <a:endParaRPr lang="en-US" dirty="0" smtClean="0"/>
+          </a:p>
+          <a:p>
+            <a:endParaRPr lang="en-US" dirty="0"/>
+          </a:p>
+        </p:txBody>
+      </p:sp>
     </p:spTree>
+    <p:extLst>
+      <p:ext uri="{BB962C8B-B14F-4D97-AF65-F5344CB8AC3E}">
+        <p14:creationId xmlns="" xmlns:p14="http://schemas.microsoft.com/office/powerpoint/2010/main" val="607631629"/>
+      </p:ext>
+    </p:extLst>
   </p:cSld>
   <p:clrMapOvr>
     <a:masterClrMapping/>
@@ -6653,7 +6612,7 @@
           <a:p>
             <a:r>
               <a:rPr lang="en-US" dirty="0" smtClean="0"/>
-              <a:t>Registration Page (Internationalization)</a:t>
+              <a:t>Login Page</a:t>
             </a:r>
             <a:endParaRPr lang="en-US" dirty="0"/>
           </a:p>
@@ -6661,7 +6620,7 @@
       </p:sp>
       <p:pic>
         <p:nvPicPr>
-          <p:cNvPr id="4" name="Content Placeholder 3" descr="registerwithInternatio.PNG"/>
+          <p:cNvPr id="4" name="Content Placeholder 3" descr="login.PNG"/>
           <p:cNvPicPr>
             <a:picLocks noGrp="1" noChangeAspect="1"/>
           </p:cNvPicPr>
@@ -6677,9 +6636,57 @@
         </p:blipFill>
         <p:spPr>
           <a:xfrm>
-            <a:off x="1752600" y="1600200"/>
-            <a:ext cx="5794730" cy="4876800"/>
-          </a:xfrm>
+            <a:off x="152400" y="1447800"/>
+            <a:ext cx="3124200" cy="2677886"/>
+          </a:xfrm>
+        </p:spPr>
+      </p:pic>
+      <p:pic>
+        <p:nvPicPr>
+          <p:cNvPr id="5" name="Picture 4" descr="loginvalidate.PNG"/>
+          <p:cNvPicPr>
+            <a:picLocks noChangeAspect="1"/>
+          </p:cNvPicPr>
+          <p:nvPr/>
+        </p:nvPicPr>
+        <p:blipFill>
+          <a:blip r:embed="rId3"/>
+          <a:stretch>
+            <a:fillRect/>
+          </a:stretch>
+        </p:blipFill>
+        <p:spPr>
+          <a:xfrm>
+            <a:off x="5791200" y="1447800"/>
+            <a:ext cx="2971800" cy="2788719"/>
+          </a:xfrm>
+          <a:prstGeom prst="rect">
+            <a:avLst/>
+          </a:prstGeom>
+        </p:spPr>
+      </p:pic>
+      <p:pic>
+        <p:nvPicPr>
+          <p:cNvPr id="6" name="Picture 5" descr="loginwithInternali.PNG"/>
+          <p:cNvPicPr>
+            <a:picLocks noChangeAspect="1"/>
+          </p:cNvPicPr>
+          <p:nvPr/>
+        </p:nvPicPr>
+        <p:blipFill>
+          <a:blip r:embed="rId4"/>
+          <a:stretch>
+            <a:fillRect/>
+          </a:stretch>
+        </p:blipFill>
+        <p:spPr>
+          <a:xfrm>
+            <a:off x="2514600" y="3429001"/>
+            <a:ext cx="3486637" cy="3124200"/>
+          </a:xfrm>
+          <a:prstGeom prst="rect">
+            <a:avLst/>
+          </a:prstGeom>
         </p:spPr>
       </p:pic>
     </p:spTree>
@@ -6731,7 +6738,7 @@
           <a:p>
             <a:r>
               <a:rPr lang="en-US" dirty="0" smtClean="0"/>
-              <a:t>User Profile Page</a:t>
+              <a:t>Registration Page</a:t>
             </a:r>
             <a:endParaRPr lang="en-US" dirty="0"/>
           </a:p>
@@ -6739,7 +6746,7 @@
       </p:sp>
       <p:pic>
         <p:nvPicPr>
-          <p:cNvPr id="4" name="Content Placeholder 3" descr="settings.PNG"/>
+          <p:cNvPr id="4" name="Content Placeholder 3" descr="register.PNG"/>
           <p:cNvPicPr>
             <a:picLocks noGrp="1" noChangeAspect="1"/>
           </p:cNvPicPr>
@@ -6755,9 +6762,33 @@
         </p:blipFill>
         <p:spPr>
           <a:xfrm>
-            <a:off x="916431" y="1527175"/>
-            <a:ext cx="7274625" cy="4572000"/>
-          </a:xfrm>
+            <a:off x="228600" y="1524000"/>
+            <a:ext cx="3886199" cy="4572000"/>
+          </a:xfrm>
+        </p:spPr>
+      </p:pic>
+      <p:pic>
+        <p:nvPicPr>
+          <p:cNvPr id="5" name="Picture 4" descr="register-validation.PNG"/>
+          <p:cNvPicPr>
+            <a:picLocks noChangeAspect="1"/>
+          </p:cNvPicPr>
+          <p:nvPr/>
+        </p:nvPicPr>
+        <p:blipFill>
+          <a:blip r:embed="rId3"/>
+          <a:stretch>
+            <a:fillRect/>
+          </a:stretch>
+        </p:blipFill>
+        <p:spPr>
+          <a:xfrm>
+            <a:off x="4495800" y="1499814"/>
+            <a:ext cx="4442642" cy="4672386"/>
+          </a:xfrm>
+          <a:prstGeom prst="rect">
+            <a:avLst/>
+          </a:prstGeom>
         </p:spPr>
       </p:pic>
     </p:spTree>
@@ -6809,7 +6840,7 @@
           <a:p>
             <a:r>
               <a:rPr lang="en-US" dirty="0" smtClean="0"/>
-              <a:t>Menu Bar</a:t>
+              <a:t>Registration Page (Internationalization)</a:t>
             </a:r>
             <a:endParaRPr lang="en-US" dirty="0"/>
           </a:p>
@@ -6817,7 +6848,7 @@
       </p:sp>
       <p:pic>
         <p:nvPicPr>
-          <p:cNvPr id="4" name="Content Placeholder 3" descr="dashboard.PNG"/>
+          <p:cNvPr id="4" name="Content Placeholder 3" descr="registerwithInternatio.PNG"/>
           <p:cNvPicPr>
             <a:picLocks noGrp="1" noChangeAspect="1"/>
           </p:cNvPicPr>
@@ -6833,8 +6864,8 @@
         </p:blipFill>
         <p:spPr>
           <a:xfrm>
-            <a:off x="301625" y="2565619"/>
-            <a:ext cx="8504238" cy="2495112"/>
+            <a:off x="1752600" y="1600200"/>
+            <a:ext cx="5794730" cy="4876800"/>
           </a:xfrm>
         </p:spPr>
       </p:pic>
@@ -6887,7 +6918,7 @@
           <a:p>
             <a:r>
               <a:rPr lang="en-US" dirty="0" smtClean="0"/>
-              <a:t>User List Page</a:t>
+              <a:t>User Profile Page</a:t>
             </a:r>
             <a:endParaRPr lang="en-US" dirty="0"/>
           </a:p>
@@ -6895,7 +6926,7 @@
       </p:sp>
       <p:pic>
         <p:nvPicPr>
-          <p:cNvPr id="4" name="Content Placeholder 3" descr="users.PNG"/>
+          <p:cNvPr id="4" name="Content Placeholder 3" descr="settings.PNG"/>
           <p:cNvPicPr>
             <a:picLocks noGrp="1" noChangeAspect="1"/>
           </p:cNvPicPr>
@@ -6911,8 +6942,8 @@
         </p:blipFill>
         <p:spPr>
           <a:xfrm>
-            <a:off x="301625" y="1646761"/>
-            <a:ext cx="8504238" cy="4332828"/>
+            <a:off x="916431" y="1527175"/>
+            <a:ext cx="7274625" cy="4572000"/>
           </a:xfrm>
         </p:spPr>
       </p:pic>
@@ -6965,7 +6996,7 @@
           <a:p>
             <a:r>
               <a:rPr lang="en-US" dirty="0" smtClean="0"/>
-              <a:t>Edit User Page</a:t>
+              <a:t>Menu Bar</a:t>
             </a:r>
             <a:endParaRPr lang="en-US" dirty="0"/>
           </a:p>
@@ -6973,7 +7004,7 @@
       </p:sp>
       <p:pic>
         <p:nvPicPr>
-          <p:cNvPr id="4" name="Content Placeholder 3" descr="usersen.PNG"/>
+          <p:cNvPr id="4" name="Content Placeholder 3" descr="dashboard.PNG"/>
           <p:cNvPicPr>
             <a:picLocks noGrp="1" noChangeAspect="1"/>
           </p:cNvPicPr>
@@ -6989,8 +7020,8 @@
         </p:blipFill>
         <p:spPr>
           <a:xfrm>
-            <a:off x="1253227" y="1527175"/>
-            <a:ext cx="6601034" cy="4572000"/>
+            <a:off x="301625" y="2565619"/>
+            <a:ext cx="8504238" cy="2495112"/>
           </a:xfrm>
         </p:spPr>
       </p:pic>
@@ -7043,7 +7074,7 @@
           <a:p>
             <a:r>
               <a:rPr lang="en-US" dirty="0" smtClean="0"/>
-              <a:t>Mail BOX List Page</a:t>
+              <a:t>User List Page</a:t>
             </a:r>
             <a:endParaRPr lang="en-US" dirty="0"/>
           </a:p>
@@ -7051,7 +7082,7 @@
       </p:sp>
       <p:pic>
         <p:nvPicPr>
-          <p:cNvPr id="4" name="Content Placeholder 3" descr="mailBoxAdditionSuccess.PNG"/>
+          <p:cNvPr id="4" name="Content Placeholder 3" descr="users.PNG"/>
           <p:cNvPicPr>
             <a:picLocks noGrp="1" noChangeAspect="1"/>
           </p:cNvPicPr>
@@ -7067,8 +7098,8 @@
         </p:blipFill>
         <p:spPr>
           <a:xfrm>
-            <a:off x="1182747" y="1527175"/>
-            <a:ext cx="6741994" cy="4572000"/>
+            <a:off x="301625" y="1646761"/>
+            <a:ext cx="8504238" cy="4332828"/>
           </a:xfrm>
         </p:spPr>
       </p:pic>
@@ -7242,7 +7273,7 @@
           <a:p>
             <a:r>
               <a:rPr lang="en-US" dirty="0" smtClean="0"/>
-              <a:t>Mail Item List Page</a:t>
+              <a:t>Edit User Page</a:t>
             </a:r>
             <a:endParaRPr lang="en-US" dirty="0"/>
           </a:p>
@@ -7250,7 +7281,7 @@
       </p:sp>
       <p:pic>
         <p:nvPicPr>
-          <p:cNvPr id="8" name="Content Placeholder 7" descr="mailitem.JPG"/>
+          <p:cNvPr id="4" name="Content Placeholder 3" descr="usersen.PNG"/>
           <p:cNvPicPr>
             <a:picLocks noGrp="1" noChangeAspect="1"/>
           </p:cNvPicPr>
@@ -7266,8 +7297,8 @@
         </p:blipFill>
         <p:spPr>
           <a:xfrm>
-            <a:off x="301625" y="1530848"/>
-            <a:ext cx="8504238" cy="4564654"/>
+            <a:off x="1253227" y="1527175"/>
+            <a:ext cx="6601034" cy="4572000"/>
           </a:xfrm>
         </p:spPr>
       </p:pic>
@@ -7320,7 +7351,7 @@
           <a:p>
             <a:r>
               <a:rPr lang="en-US" dirty="0" smtClean="0"/>
-              <a:t>Exception Handled Page</a:t>
+              <a:t>Mail BOX List Page</a:t>
             </a:r>
             <a:endParaRPr lang="en-US" dirty="0"/>
           </a:p>
@@ -7328,7 +7359,7 @@
       </p:sp>
       <p:pic>
         <p:nvPicPr>
-          <p:cNvPr id="4" name="Content Placeholder 3" descr="exception.PNG"/>
+          <p:cNvPr id="4" name="Content Placeholder 3" descr="mailBoxAdditionSuccess.PNG"/>
           <p:cNvPicPr>
             <a:picLocks noGrp="1" noChangeAspect="1"/>
           </p:cNvPicPr>
@@ -7344,8 +7375,8 @@
         </p:blipFill>
         <p:spPr>
           <a:xfrm>
-            <a:off x="301625" y="1742726"/>
-            <a:ext cx="8504238" cy="4140897"/>
+            <a:off x="1182747" y="1527175"/>
+            <a:ext cx="6741994" cy="4572000"/>
           </a:xfrm>
         </p:spPr>
       </p:pic>
@@ -7398,7 +7429,7 @@
           <a:p>
             <a:r>
               <a:rPr lang="en-US" dirty="0" smtClean="0"/>
-              <a:t>404 Page Error </a:t>
+              <a:t>Mail Item List Page</a:t>
             </a:r>
             <a:endParaRPr lang="en-US" dirty="0"/>
           </a:p>
@@ -7406,7 +7437,7 @@
       </p:sp>
       <p:pic>
         <p:nvPicPr>
-          <p:cNvPr id="4" name="Content Placeholder 3" descr="404.PNG"/>
+          <p:cNvPr id="8" name="Content Placeholder 7" descr="mailitem.JPG"/>
           <p:cNvPicPr>
             <a:picLocks noGrp="1" noChangeAspect="1"/>
           </p:cNvPicPr>
@@ -7422,8 +7453,8 @@
         </p:blipFill>
         <p:spPr>
           <a:xfrm>
-            <a:off x="1290976" y="1698329"/>
-            <a:ext cx="6525536" cy="4229691"/>
+            <a:off x="301625" y="1530848"/>
+            <a:ext cx="8504238" cy="4564654"/>
           </a:xfrm>
         </p:spPr>
       </p:pic>
@@ -7443,6 +7474,162 @@
 </file>
 
 <file path=ppt/slides/slide23.xml><?xml version="1.0" encoding="utf-8"?>
+<p:sld xmlns:a="http://schemas.openxmlformats.org/drawingml/2006/main" xmlns:r="http://schemas.openxmlformats.org/officeDocument/2006/relationships" xmlns:p="http://schemas.openxmlformats.org/presentationml/2006/main">
+  <p:cSld>
+    <p:spTree>
+      <p:nvGrpSpPr>
+        <p:cNvPr id="1" name=""/>
+        <p:cNvGrpSpPr/>
+        <p:nvPr/>
+      </p:nvGrpSpPr>
+      <p:grpSpPr>
+        <a:xfrm>
+          <a:off x="0" y="0"/>
+          <a:ext cx="0" cy="0"/>
+          <a:chOff x="0" y="0"/>
+          <a:chExt cx="0" cy="0"/>
+        </a:xfrm>
+      </p:grpSpPr>
+      <p:sp>
+        <p:nvSpPr>
+          <p:cNvPr id="2" name="Title 1"/>
+          <p:cNvSpPr>
+            <a:spLocks noGrp="1"/>
+          </p:cNvSpPr>
+          <p:nvPr>
+            <p:ph type="title"/>
+          </p:nvPr>
+        </p:nvSpPr>
+        <p:spPr/>
+        <p:txBody>
+          <a:bodyPr/>
+          <a:lstStyle/>
+          <a:p>
+            <a:r>
+              <a:rPr lang="en-US" dirty="0" smtClean="0"/>
+              <a:t>Exception Handled Page</a:t>
+            </a:r>
+            <a:endParaRPr lang="en-US" dirty="0"/>
+          </a:p>
+        </p:txBody>
+      </p:sp>
+      <p:pic>
+        <p:nvPicPr>
+          <p:cNvPr id="4" name="Content Placeholder 3" descr="exception.PNG"/>
+          <p:cNvPicPr>
+            <a:picLocks noGrp="1" noChangeAspect="1"/>
+          </p:cNvPicPr>
+          <p:nvPr>
+            <p:ph sz="quarter" idx="1"/>
+          </p:nvPr>
+        </p:nvPicPr>
+        <p:blipFill>
+          <a:blip r:embed="rId2"/>
+          <a:stretch>
+            <a:fillRect/>
+          </a:stretch>
+        </p:blipFill>
+        <p:spPr>
+          <a:xfrm>
+            <a:off x="301625" y="1742726"/>
+            <a:ext cx="8504238" cy="4140897"/>
+          </a:xfrm>
+        </p:spPr>
+      </p:pic>
+    </p:spTree>
+  </p:cSld>
+  <p:clrMapOvr>
+    <a:masterClrMapping/>
+  </p:clrMapOvr>
+  <p:timing>
+    <p:tnLst>
+      <p:par>
+        <p:cTn id="1" dur="indefinite" restart="never" nodeType="tmRoot"/>
+      </p:par>
+    </p:tnLst>
+  </p:timing>
+</p:sld>
+</file>
+
+<file path=ppt/slides/slide24.xml><?xml version="1.0" encoding="utf-8"?>
+<p:sld xmlns:a="http://schemas.openxmlformats.org/drawingml/2006/main" xmlns:r="http://schemas.openxmlformats.org/officeDocument/2006/relationships" xmlns:p="http://schemas.openxmlformats.org/presentationml/2006/main">
+  <p:cSld>
+    <p:spTree>
+      <p:nvGrpSpPr>
+        <p:cNvPr id="1" name=""/>
+        <p:cNvGrpSpPr/>
+        <p:nvPr/>
+      </p:nvGrpSpPr>
+      <p:grpSpPr>
+        <a:xfrm>
+          <a:off x="0" y="0"/>
+          <a:ext cx="0" cy="0"/>
+          <a:chOff x="0" y="0"/>
+          <a:chExt cx="0" cy="0"/>
+        </a:xfrm>
+      </p:grpSpPr>
+      <p:sp>
+        <p:nvSpPr>
+          <p:cNvPr id="2" name="Title 1"/>
+          <p:cNvSpPr>
+            <a:spLocks noGrp="1"/>
+          </p:cNvSpPr>
+          <p:nvPr>
+            <p:ph type="title"/>
+          </p:nvPr>
+        </p:nvSpPr>
+        <p:spPr/>
+        <p:txBody>
+          <a:bodyPr/>
+          <a:lstStyle/>
+          <a:p>
+            <a:r>
+              <a:rPr lang="en-US" dirty="0" smtClean="0"/>
+              <a:t>404 Page Error </a:t>
+            </a:r>
+            <a:endParaRPr lang="en-US" dirty="0"/>
+          </a:p>
+        </p:txBody>
+      </p:sp>
+      <p:pic>
+        <p:nvPicPr>
+          <p:cNvPr id="4" name="Content Placeholder 3" descr="404.PNG"/>
+          <p:cNvPicPr>
+            <a:picLocks noGrp="1" noChangeAspect="1"/>
+          </p:cNvPicPr>
+          <p:nvPr>
+            <p:ph sz="quarter" idx="1"/>
+          </p:nvPr>
+        </p:nvPicPr>
+        <p:blipFill>
+          <a:blip r:embed="rId2"/>
+          <a:stretch>
+            <a:fillRect/>
+          </a:stretch>
+        </p:blipFill>
+        <p:spPr>
+          <a:xfrm>
+            <a:off x="1290976" y="1698329"/>
+            <a:ext cx="6525536" cy="4229691"/>
+          </a:xfrm>
+        </p:spPr>
+      </p:pic>
+    </p:spTree>
+  </p:cSld>
+  <p:clrMapOvr>
+    <a:masterClrMapping/>
+  </p:clrMapOvr>
+  <p:timing>
+    <p:tnLst>
+      <p:par>
+        <p:cTn id="1" dur="indefinite" restart="never" nodeType="tmRoot"/>
+      </p:par>
+    </p:tnLst>
+  </p:timing>
+</p:sld>
+</file>
+
+<file path=ppt/slides/slide25.xml><?xml version="1.0" encoding="utf-8"?>
 <p:sld xmlns:a="http://schemas.openxmlformats.org/drawingml/2006/main" xmlns:r="http://schemas.openxmlformats.org/officeDocument/2006/relationships" xmlns:p="http://schemas.openxmlformats.org/presentationml/2006/main">
   <p:cSld>
     <p:spTree>
@@ -7794,7 +7981,7 @@
           <a:p>
             <a:r>
               <a:rPr lang="en-US" dirty="0" smtClean="0"/>
-              <a:t>Features</a:t>
+              <a:t>Technology Covered</a:t>
             </a:r>
             <a:endParaRPr lang="en-US" dirty="0"/>
           </a:p>
@@ -7812,42 +7999,122 @@
         </p:nvSpPr>
         <p:spPr/>
         <p:txBody>
-          <a:bodyPr/>
+          <a:bodyPr>
+            <a:normAutofit fontScale="85000" lnSpcReduction="20000"/>
+          </a:bodyPr>
           <a:lstStyle/>
           <a:p>
             <a:r>
               <a:rPr lang="en-US" dirty="0" smtClean="0"/>
-              <a:t>User Registration</a:t>
-            </a:r>
-          </a:p>
-          <a:p>
+              <a:t>Spring </a:t>
+            </a:r>
+            <a:r>
+              <a:rPr lang="en-US" dirty="0"/>
+              <a:t>MVC based on </a:t>
+            </a:r>
             <a:r>
               <a:rPr lang="en-US" dirty="0" smtClean="0"/>
-              <a:t>Mail Box Management</a:t>
-            </a:r>
-          </a:p>
-          <a:p>
+              <a:t>Annotation(</a:t>
+            </a:r>
+            <a:r>
+              <a:rPr lang="en-US" dirty="0" err="1" smtClean="0"/>
+              <a:t>CoC</a:t>
+            </a:r>
             <a:r>
               <a:rPr lang="en-US" dirty="0" smtClean="0"/>
-              <a:t>User Management</a:t>
+              <a:t>)</a:t>
             </a:r>
           </a:p>
           <a:p>
             <a:r>
               <a:rPr lang="en-US" dirty="0" smtClean="0"/>
-              <a:t>Mail Item Management</a:t>
+              <a:t>GIT (Distributed Code Repository)</a:t>
             </a:r>
           </a:p>
           <a:p>
             <a:r>
               <a:rPr lang="en-US" dirty="0" smtClean="0"/>
-              <a:t>Email Notification</a:t>
-            </a:r>
+              <a:t>Dependency </a:t>
+            </a:r>
+            <a:r>
+              <a:rPr lang="en-US" dirty="0"/>
+              <a:t>Injection or </a:t>
+            </a:r>
+            <a:r>
+              <a:rPr lang="en-US" dirty="0" err="1" smtClean="0"/>
+              <a:t>IoC</a:t>
+            </a:r>
+            <a:endParaRPr lang="en-US" dirty="0" smtClean="0"/>
           </a:p>
           <a:p>
             <a:r>
               <a:rPr lang="en-US" dirty="0" smtClean="0"/>
-              <a:t>Status Tracking</a:t>
+              <a:t>Spring Security</a:t>
+            </a:r>
+          </a:p>
+          <a:p>
+            <a:r>
+              <a:rPr lang="en-US" dirty="0" smtClean="0"/>
+              <a:t>JPA/Hibernate</a:t>
+            </a:r>
+          </a:p>
+          <a:p>
+            <a:r>
+              <a:rPr lang="en-US" dirty="0" smtClean="0"/>
+              <a:t>Internationalization</a:t>
+            </a:r>
+          </a:p>
+          <a:p>
+            <a:r>
+              <a:rPr lang="en-US" dirty="0" smtClean="0"/>
+              <a:t>Validation </a:t>
+            </a:r>
+          </a:p>
+          <a:p>
+            <a:r>
+              <a:rPr lang="en-US" dirty="0" smtClean="0"/>
+              <a:t>REST/Ajax</a:t>
+            </a:r>
+          </a:p>
+          <a:p>
+            <a:r>
+              <a:rPr lang="en-US" dirty="0" smtClean="0"/>
+              <a:t>JSTL/Spring </a:t>
+            </a:r>
+            <a:r>
+              <a:rPr lang="en-US" dirty="0"/>
+              <a:t>Tag </a:t>
+            </a:r>
+            <a:r>
+              <a:rPr lang="en-US" dirty="0" smtClean="0"/>
+              <a:t>Lib/JSP</a:t>
+            </a:r>
+          </a:p>
+          <a:p>
+            <a:r>
+              <a:rPr lang="en-US" dirty="0" smtClean="0"/>
+              <a:t>Exception Handling</a:t>
+            </a:r>
+          </a:p>
+          <a:p>
+            <a:r>
+              <a:rPr lang="en-US" dirty="0" smtClean="0"/>
+              <a:t>File </a:t>
+            </a:r>
+            <a:r>
+              <a:rPr lang="en-US" dirty="0"/>
+              <a:t>Upload </a:t>
+            </a:r>
+            <a:endParaRPr lang="en-US" dirty="0" smtClean="0"/>
+          </a:p>
+          <a:p>
+            <a:r>
+              <a:rPr lang="en-US" dirty="0" smtClean="0"/>
+              <a:t>Java </a:t>
+            </a:r>
+            <a:r>
+              <a:rPr lang="en-US" dirty="0"/>
+              <a:t>Mail</a:t>
             </a:r>
           </a:p>
         </p:txBody>
@@ -7855,7 +8122,7 @@
     </p:spTree>
     <p:extLst>
       <p:ext uri="{BB962C8B-B14F-4D97-AF65-F5344CB8AC3E}">
-        <p14:creationId xmlns="" xmlns:p14="http://schemas.microsoft.com/office/powerpoint/2010/main" val="1641763166"/>
+        <p14:creationId xmlns="" xmlns:p14="http://schemas.microsoft.com/office/powerpoint/2010/main" val="3027902717"/>
       </p:ext>
     </p:extLst>
   </p:cSld>
@@ -7906,7 +8173,7 @@
           <a:p>
             <a:r>
               <a:rPr lang="en-US" dirty="0" smtClean="0"/>
-              <a:t>Advantages</a:t>
+              <a:t>Features</a:t>
             </a:r>
             <a:endParaRPr lang="en-US" dirty="0"/>
           </a:p>
@@ -7928,41 +8195,46 @@
           <a:lstStyle/>
           <a:p>
             <a:r>
-              <a:rPr lang="en-US" dirty="0"/>
-              <a:t>Simplify your </a:t>
-            </a:r>
-            <a:r>
               <a:rPr lang="en-US" dirty="0" smtClean="0"/>
-              <a:t>life</a:t>
+              <a:t>User Registration</a:t>
             </a:r>
           </a:p>
           <a:p>
             <a:r>
               <a:rPr lang="en-US" dirty="0" smtClean="0"/>
-              <a:t>Time saving</a:t>
+              <a:t>Mail Box Management</a:t>
             </a:r>
           </a:p>
           <a:p>
             <a:r>
               <a:rPr lang="en-US" dirty="0" smtClean="0"/>
-              <a:t>Instant Notification</a:t>
+              <a:t>User Management</a:t>
             </a:r>
           </a:p>
           <a:p>
             <a:r>
               <a:rPr lang="en-US" dirty="0" smtClean="0"/>
-              <a:t>Record and Transaction history</a:t>
-            </a:r>
-          </a:p>
-          <a:p>
-            <a:endParaRPr lang="en-US" dirty="0"/>
+              <a:t>Mail Item Management</a:t>
+            </a:r>
+          </a:p>
+          <a:p>
+            <a:r>
+              <a:rPr lang="en-US" dirty="0" smtClean="0"/>
+              <a:t>Email Notification</a:t>
+            </a:r>
+          </a:p>
+          <a:p>
+            <a:r>
+              <a:rPr lang="en-US" dirty="0" smtClean="0"/>
+              <a:t>Status Tracking</a:t>
+            </a:r>
           </a:p>
         </p:txBody>
       </p:sp>
     </p:spTree>
     <p:extLst>
       <p:ext uri="{BB962C8B-B14F-4D97-AF65-F5344CB8AC3E}">
-        <p14:creationId xmlns="" xmlns:p14="http://schemas.microsoft.com/office/powerpoint/2010/main" val="297125218"/>
+        <p14:creationId xmlns="" xmlns:p14="http://schemas.microsoft.com/office/powerpoint/2010/main" val="1641763166"/>
       </p:ext>
     </p:extLst>
   </p:cSld>
@@ -8013,7 +8285,7 @@
           <a:p>
             <a:r>
               <a:rPr lang="en-US" dirty="0" smtClean="0"/>
-              <a:t>Technology Covered</a:t>
+              <a:t>Advantages</a:t>
             </a:r>
             <a:endParaRPr lang="en-US" dirty="0"/>
           </a:p>
@@ -8031,130 +8303,45 @@
         </p:nvSpPr>
         <p:spPr/>
         <p:txBody>
-          <a:bodyPr>
-            <a:normAutofit fontScale="85000" lnSpcReduction="20000"/>
-          </a:bodyPr>
-          <a:lstStyle/>
-          <a:p>
+          <a:bodyPr/>
+          <a:lstStyle/>
+          <a:p>
+            <a:r>
+              <a:rPr lang="en-US" dirty="0"/>
+              <a:t>Simplify your </a:t>
+            </a:r>
             <a:r>
               <a:rPr lang="en-US" dirty="0" smtClean="0"/>
-              <a:t>Spring </a:t>
-            </a:r>
-            <a:r>
-              <a:rPr lang="en-US" dirty="0"/>
-              <a:t>MVC based on </a:t>
-            </a:r>
+              <a:t>life</a:t>
+            </a:r>
+          </a:p>
+          <a:p>
             <a:r>
               <a:rPr lang="en-US" dirty="0" smtClean="0"/>
-              <a:t>Annotation(</a:t>
-            </a:r>
-            <a:r>
-              <a:rPr lang="en-US" dirty="0" err="1" smtClean="0"/>
-              <a:t>CoC</a:t>
-            </a:r>
+              <a:t>Time saving</a:t>
+            </a:r>
+          </a:p>
+          <a:p>
             <a:r>
               <a:rPr lang="en-US" dirty="0" smtClean="0"/>
-              <a:t>)</a:t>
+              <a:t>Instant Notification</a:t>
             </a:r>
           </a:p>
           <a:p>
             <a:r>
               <a:rPr lang="en-US" dirty="0" smtClean="0"/>
-              <a:t>GIT (Distributed Code Repository)</a:t>
-            </a:r>
-          </a:p>
-          <a:p>
-            <a:r>
-              <a:rPr lang="en-US" dirty="0" smtClean="0"/>
-              <a:t>Dependency </a:t>
-            </a:r>
-            <a:r>
-              <a:rPr lang="en-US" dirty="0"/>
-              <a:t>Injection or </a:t>
-            </a:r>
-            <a:r>
-              <a:rPr lang="en-US" dirty="0" err="1" smtClean="0"/>
-              <a:t>IoC</a:t>
-            </a:r>
-            <a:endParaRPr lang="en-US" dirty="0" smtClean="0"/>
-          </a:p>
-          <a:p>
-            <a:r>
-              <a:rPr lang="en-US" dirty="0" smtClean="0"/>
-              <a:t>Spring Security</a:t>
-            </a:r>
-          </a:p>
-          <a:p>
-            <a:r>
-              <a:rPr lang="en-US" dirty="0" smtClean="0"/>
-              <a:t>JPA/Hibernate</a:t>
-            </a:r>
-          </a:p>
-          <a:p>
-            <a:r>
-              <a:rPr lang="en-US" dirty="0" smtClean="0"/>
-              <a:t>Internationalization</a:t>
-            </a:r>
-          </a:p>
-          <a:p>
-            <a:r>
-              <a:rPr lang="en-US" dirty="0" smtClean="0"/>
-              <a:t>Validation </a:t>
-            </a:r>
-          </a:p>
-          <a:p>
-            <a:r>
-              <a:rPr lang="en-US" dirty="0" smtClean="0"/>
-              <a:t>REST/Ajax</a:t>
-            </a:r>
-          </a:p>
-          <a:p>
-            <a:r>
-              <a:rPr lang="en-US" dirty="0" smtClean="0"/>
-              <a:t>JSTL/Spring </a:t>
-            </a:r>
-            <a:r>
-              <a:rPr lang="en-US" dirty="0"/>
-              <a:t>Tag </a:t>
-            </a:r>
-            <a:r>
-              <a:rPr lang="en-US" dirty="0" smtClean="0"/>
-              <a:t>Lib/JSP</a:t>
-            </a:r>
-          </a:p>
-          <a:p>
-            <a:r>
-              <a:rPr lang="en-US" dirty="0" smtClean="0"/>
-              <a:t>Exception Handling</a:t>
-            </a:r>
-          </a:p>
-          <a:p>
-            <a:r>
-              <a:rPr lang="en-US" dirty="0" smtClean="0"/>
-              <a:t>File </a:t>
-            </a:r>
-            <a:r>
-              <a:rPr lang="en-US" dirty="0"/>
-              <a:t>Upload </a:t>
-            </a:r>
-            <a:endParaRPr lang="en-US" dirty="0" smtClean="0"/>
-          </a:p>
-          <a:p>
-            <a:r>
-              <a:rPr lang="en-US" dirty="0" smtClean="0"/>
-              <a:t>Java </a:t>
-            </a:r>
-            <a:r>
-              <a:rPr lang="en-US" dirty="0"/>
-              <a:t>Mail</a:t>
-            </a:r>
+              <a:t>Record and Transaction history</a:t>
+            </a:r>
+          </a:p>
+          <a:p>
+            <a:endParaRPr lang="en-US" dirty="0"/>
           </a:p>
         </p:txBody>
       </p:sp>
     </p:spTree>
     <p:extLst>
       <p:ext uri="{BB962C8B-B14F-4D97-AF65-F5344CB8AC3E}">
-        <p14:creationId xmlns="" xmlns:p14="http://schemas.microsoft.com/office/powerpoint/2010/main" val="3027902717"/>
+        <p14:creationId xmlns="" xmlns:p14="http://schemas.microsoft.com/office/powerpoint/2010/main" val="297125218"/>
       </p:ext>
     </p:extLst>
   </p:cSld>
@@ -8200,28 +8387,12 @@
         </p:nvSpPr>
         <p:spPr/>
         <p:txBody>
-          <a:bodyPr>
-            <a:normAutofit fontScale="90000"/>
-          </a:bodyPr>
+          <a:bodyPr/>
           <a:lstStyle/>
           <a:p>
             <a:r>
               <a:rPr lang="en-US" dirty="0" smtClean="0"/>
-              <a:t/>
-            </a:r>
-            <a:br>
-              <a:rPr lang="en-US" dirty="0" smtClean="0"/>
-            </a:br>
-            <a:r>
-              <a:rPr lang="en-US" dirty="0" smtClean="0"/>
-              <a:t/>
-            </a:r>
-            <a:br>
-              <a:rPr lang="en-US" dirty="0" smtClean="0"/>
-            </a:br>
-            <a:r>
-              <a:rPr lang="en-US" dirty="0" smtClean="0"/>
-              <a:t>Schema Diagram</a:t>
+              <a:t>Block Diagram</a:t>
             </a:r>
             <a:endParaRPr lang="en-US" dirty="0"/>
           </a:p>
@@ -8229,7 +8400,7 @@
       </p:sp>
       <p:pic>
         <p:nvPicPr>
-          <p:cNvPr id="4" name="Content Placeholder 3"/>
+          <p:cNvPr id="6" name="Content Placeholder 5" descr="Block Diagram.png"/>
           <p:cNvPicPr>
             <a:picLocks noGrp="1" noChangeAspect="1"/>
           </p:cNvPicPr>
@@ -8238,30 +8409,19 @@
           </p:nvPr>
         </p:nvPicPr>
         <p:blipFill>
-          <a:blip r:embed="rId2">
-            <a:extLst>
-              <a:ext uri="{28A0092B-C50C-407E-A947-70E740481C1C}">
-                <a14:useLocalDpi xmlns="" xmlns:a14="http://schemas.microsoft.com/office/drawing/2010/main" val="0"/>
-              </a:ext>
-            </a:extLst>
-          </a:blip>
+          <a:blip r:embed="rId2"/>
           <a:stretch>
             <a:fillRect/>
           </a:stretch>
         </p:blipFill>
         <p:spPr>
           <a:xfrm>
-            <a:off x="862291" y="2095016"/>
-            <a:ext cx="7382906" cy="3467584"/>
+            <a:off x="2971800" y="1447800"/>
+            <a:ext cx="3724214" cy="5164244"/>
           </a:xfrm>
         </p:spPr>
       </p:pic>
     </p:spTree>
-    <p:extLst>
-      <p:ext uri="{BB962C8B-B14F-4D97-AF65-F5344CB8AC3E}">
-        <p14:creationId xmlns="" xmlns:p14="http://schemas.microsoft.com/office/powerpoint/2010/main" val="940788033"/>
-      </p:ext>
-    </p:extLst>
   </p:cSld>
   <p:clrMapOvr>
     <a:masterClrMapping/>
@@ -8310,7 +8470,7 @@
           <a:p>
             <a:r>
               <a:rPr lang="en-US" dirty="0" smtClean="0"/>
-              <a:t>UML  Class Diagram</a:t>
+              <a:t>User Case Diagram</a:t>
             </a:r>
             <a:endParaRPr lang="en-US" dirty="0"/>
           </a:p>
@@ -8318,7 +8478,7 @@
       </p:sp>
       <p:pic>
         <p:nvPicPr>
-          <p:cNvPr id="4" name="Content Placeholder 3"/>
+          <p:cNvPr id="4" name="Content Placeholder 3" descr="EpostMan Use Case.png"/>
           <p:cNvPicPr>
             <a:picLocks noGrp="1" noChangeAspect="1"/>
           </p:cNvPicPr>
@@ -8327,30 +8487,19 @@
           </p:nvPr>
         </p:nvPicPr>
         <p:blipFill>
-          <a:blip r:embed="rId2">
-            <a:extLst>
-              <a:ext uri="{28A0092B-C50C-407E-A947-70E740481C1C}">
-                <a14:useLocalDpi xmlns="" xmlns:a14="http://schemas.microsoft.com/office/drawing/2010/main" val="0"/>
-              </a:ext>
-            </a:extLst>
-          </a:blip>
+          <a:blip r:embed="rId2"/>
           <a:stretch>
             <a:fillRect/>
           </a:stretch>
         </p:blipFill>
         <p:spPr>
           <a:xfrm>
-            <a:off x="1076633" y="2342711"/>
-            <a:ext cx="6954221" cy="3143689"/>
+            <a:off x="1219200" y="1524000"/>
+            <a:ext cx="6771481" cy="4781707"/>
           </a:xfrm>
         </p:spPr>
       </p:pic>
     </p:spTree>
-    <p:extLst>
-      <p:ext uri="{BB962C8B-B14F-4D97-AF65-F5344CB8AC3E}">
-        <p14:creationId xmlns="" xmlns:p14="http://schemas.microsoft.com/office/powerpoint/2010/main" val="3778082473"/>
-      </p:ext>
-    </p:extLst>
   </p:cSld>
   <p:clrMapOvr>
     <a:masterClrMapping/>
@@ -8394,12 +8543,28 @@
         </p:nvSpPr>
         <p:spPr/>
         <p:txBody>
-          <a:bodyPr/>
+          <a:bodyPr>
+            <a:normAutofit fontScale="90000"/>
+          </a:bodyPr>
           <a:lstStyle/>
           <a:p>
             <a:r>
               <a:rPr lang="en-US" dirty="0" smtClean="0"/>
-              <a:t>Sequence Diagram</a:t>
+              <a:t/>
+            </a:r>
+            <a:br>
+              <a:rPr lang="en-US" dirty="0" smtClean="0"/>
+            </a:br>
+            <a:r>
+              <a:rPr lang="en-US" dirty="0" smtClean="0"/>
+              <a:t/>
+            </a:r>
+            <a:br>
+              <a:rPr lang="en-US" dirty="0" smtClean="0"/>
+            </a:br>
+            <a:r>
+              <a:rPr lang="en-US" dirty="0" smtClean="0"/>
+              <a:t>Schema Diagram</a:t>
             </a:r>
             <a:endParaRPr lang="en-US" dirty="0"/>
           </a:p>
@@ -8429,15 +8594,15 @@
         </p:blipFill>
         <p:spPr>
           <a:xfrm>
-            <a:off x="301625" y="1981200"/>
-            <a:ext cx="8504238" cy="3598944"/>
+            <a:off x="862291" y="2095016"/>
+            <a:ext cx="7382906" cy="3467584"/>
           </a:xfrm>
         </p:spPr>
       </p:pic>
     </p:spTree>
     <p:extLst>
       <p:ext uri="{BB962C8B-B14F-4D97-AF65-F5344CB8AC3E}">
-        <p14:creationId xmlns="" xmlns:p14="http://schemas.microsoft.com/office/powerpoint/2010/main" val="2404510690"/>
+        <p14:creationId xmlns="" xmlns:p14="http://schemas.microsoft.com/office/powerpoint/2010/main" val="940788033"/>
       </p:ext>
     </p:extLst>
   </p:cSld>
